--- a/Presentation_projet.pptx
+++ b/Presentation_projet.pptx
@@ -212,7 +212,7 @@
           <a:p>
             <a:fld id="{4DBE1C08-5A7E-4243-B203-4C348A2D11B3}" type="datetimeFigureOut">
               <a:rPr lang="fr-CM" smtClean="0"/>
-              <a:t>06/02/2026</a:t>
+              <a:t>07/02/2026</a:t>
             </a:fld>
             <a:endParaRPr lang="fr-CM"/>
           </a:p>
@@ -1347,7 +1347,7 @@
           <a:p>
             <a:fld id="{F7F0A6E8-9DD2-4C53-A710-15D5D4CCBCBE}" type="datetimeFigureOut">
               <a:rPr lang="fr-FR" smtClean="0"/>
-              <a:t>06/02/2026</a:t>
+              <a:t>07/02/2026</a:t>
             </a:fld>
             <a:endParaRPr lang="fr-FR" dirty="0"/>
           </a:p>
@@ -1558,7 +1558,7 @@
           <a:p>
             <a:fld id="{F7F0A6E8-9DD2-4C53-A710-15D5D4CCBCBE}" type="datetimeFigureOut">
               <a:rPr lang="fr-FR" smtClean="0"/>
-              <a:t>06/02/2026</a:t>
+              <a:t>07/02/2026</a:t>
             </a:fld>
             <a:endParaRPr lang="fr-FR" dirty="0"/>
           </a:p>
@@ -1773,7 +1773,7 @@
           <a:p>
             <a:fld id="{F7F0A6E8-9DD2-4C53-A710-15D5D4CCBCBE}" type="datetimeFigureOut">
               <a:rPr lang="fr-FR" smtClean="0"/>
-              <a:t>06/02/2026</a:t>
+              <a:t>07/02/2026</a:t>
             </a:fld>
             <a:endParaRPr lang="fr-FR" dirty="0"/>
           </a:p>
@@ -1974,7 +1974,7 @@
           <a:p>
             <a:fld id="{F7F0A6E8-9DD2-4C53-A710-15D5D4CCBCBE}" type="datetimeFigureOut">
               <a:rPr lang="fr-FR" smtClean="0"/>
-              <a:t>06/02/2026</a:t>
+              <a:t>07/02/2026</a:t>
             </a:fld>
             <a:endParaRPr lang="fr-FR" dirty="0"/>
           </a:p>
@@ -2253,7 +2253,7 @@
           <a:p>
             <a:fld id="{F7F0A6E8-9DD2-4C53-A710-15D5D4CCBCBE}" type="datetimeFigureOut">
               <a:rPr lang="fr-FR" smtClean="0"/>
-              <a:t>06/02/2026</a:t>
+              <a:t>07/02/2026</a:t>
             </a:fld>
             <a:endParaRPr lang="fr-FR" dirty="0"/>
           </a:p>
@@ -2521,7 +2521,7 @@
           <a:p>
             <a:fld id="{F7F0A6E8-9DD2-4C53-A710-15D5D4CCBCBE}" type="datetimeFigureOut">
               <a:rPr lang="fr-FR" smtClean="0"/>
-              <a:t>06/02/2026</a:t>
+              <a:t>07/02/2026</a:t>
             </a:fld>
             <a:endParaRPr lang="fr-FR" dirty="0"/>
           </a:p>
@@ -2937,7 +2937,7 @@
           <a:p>
             <a:fld id="{F7F0A6E8-9DD2-4C53-A710-15D5D4CCBCBE}" type="datetimeFigureOut">
               <a:rPr lang="fr-FR" smtClean="0"/>
-              <a:t>06/02/2026</a:t>
+              <a:t>07/02/2026</a:t>
             </a:fld>
             <a:endParaRPr lang="fr-FR" dirty="0"/>
           </a:p>
@@ -3086,7 +3086,7 @@
           <a:p>
             <a:fld id="{F7F0A6E8-9DD2-4C53-A710-15D5D4CCBCBE}" type="datetimeFigureOut">
               <a:rPr lang="fr-FR" smtClean="0"/>
-              <a:t>06/02/2026</a:t>
+              <a:t>07/02/2026</a:t>
             </a:fld>
             <a:endParaRPr lang="fr-FR" dirty="0"/>
           </a:p>
@@ -3212,7 +3212,7 @@
           <a:p>
             <a:fld id="{F7F0A6E8-9DD2-4C53-A710-15D5D4CCBCBE}" type="datetimeFigureOut">
               <a:rPr lang="fr-FR" smtClean="0"/>
-              <a:t>06/02/2026</a:t>
+              <a:t>07/02/2026</a:t>
             </a:fld>
             <a:endParaRPr lang="fr-FR" dirty="0"/>
           </a:p>
@@ -3463,7 +3463,7 @@
           <a:p>
             <a:fld id="{F7F0A6E8-9DD2-4C53-A710-15D5D4CCBCBE}" type="datetimeFigureOut">
               <a:rPr lang="fr-FR" smtClean="0"/>
-              <a:t>06/02/2026</a:t>
+              <a:t>07/02/2026</a:t>
             </a:fld>
             <a:endParaRPr lang="fr-FR" dirty="0"/>
           </a:p>
@@ -3908,7 +3908,7 @@
           <a:p>
             <a:fld id="{F7F0A6E8-9DD2-4C53-A710-15D5D4CCBCBE}" type="datetimeFigureOut">
               <a:rPr lang="fr-FR" smtClean="0"/>
-              <a:t>06/02/2026</a:t>
+              <a:t>07/02/2026</a:t>
             </a:fld>
             <a:endParaRPr lang="fr-FR" dirty="0"/>
           </a:p>
@@ -4235,7 +4235,7 @@
           <a:p>
             <a:fld id="{F7F0A6E8-9DD2-4C53-A710-15D5D4CCBCBE}" type="datetimeFigureOut">
               <a:rPr lang="fr-FR" smtClean="0"/>
-              <a:t>06/02/2026</a:t>
+              <a:t>07/02/2026</a:t>
             </a:fld>
             <a:endParaRPr lang="fr-FR" dirty="0"/>
           </a:p>
@@ -4796,7 +4796,21 @@
                 <a:latin typeface="Gotham Black" pitchFamily="2" charset="0"/>
                 <a:cs typeface="Gotham Black" pitchFamily="2" charset="0"/>
               </a:rPr>
-              <a:t>APPLICATION DE SUIVI DES REALISATION DES ACTIVITES</a:t>
+              <a:t>APPLICATION DE </a:t>
+            </a:r>
+            <a:r>
+              <a:rPr lang="fr-FR" sz="4000" b="1">
+                <a:latin typeface="Gotham Black" pitchFamily="2" charset="0"/>
+                <a:cs typeface="Gotham Black" pitchFamily="2" charset="0"/>
+              </a:rPr>
+              <a:t>SUIVI DES </a:t>
+            </a:r>
+            <a:r>
+              <a:rPr lang="fr-FR" sz="4000" b="1" dirty="0">
+                <a:latin typeface="Gotham Black" pitchFamily="2" charset="0"/>
+                <a:cs typeface="Gotham Black" pitchFamily="2" charset="0"/>
+              </a:rPr>
+              <a:t>DES ACTIVITES</a:t>
             </a:r>
             <a:endParaRPr lang="fr-FR" sz="3200" b="1" dirty="0">
               <a:latin typeface="Gotham Black" pitchFamily="2" charset="0"/>
